--- a/photo/figure.pptx
+++ b/photo/figure.pptx
@@ -8,6 +8,7 @@
     <p:sldId id="256" r:id="rId2"/>
     <p:sldId id="258" r:id="rId3"/>
     <p:sldId id="257" r:id="rId4"/>
+    <p:sldId id="259" r:id="rId5"/>
   </p:sldIdLst>
   <p:sldSz cx="12192000" cy="6858000"/>
   <p:notesSz cx="6858000" cy="9144000"/>
@@ -4706,10 +4707,1624 @@
           <a:chExt cx="0" cy="0"/>
         </a:xfrm>
       </p:grpSpPr>
+      <p:sp>
+        <p:nvSpPr>
+          <p:cNvPr id="28" name="正方形/長方形 27">
+            <a:extLst>
+              <a:ext uri="{FF2B5EF4-FFF2-40B4-BE49-F238E27FC236}">
+                <a16:creationId xmlns:a16="http://schemas.microsoft.com/office/drawing/2014/main" id="{530EDADD-C73C-42AF-8780-F500E98682C8}"/>
+              </a:ext>
+            </a:extLst>
+          </p:cNvPr>
+          <p:cNvSpPr/>
+          <p:nvPr/>
+        </p:nvSpPr>
+        <p:spPr>
+          <a:xfrm>
+            <a:off x="1828801" y="655987"/>
+            <a:ext cx="6586330" cy="5433391"/>
+          </a:xfrm>
+          <a:prstGeom prst="rect">
+            <a:avLst/>
+          </a:prstGeom>
+          <a:solidFill>
+            <a:schemeClr val="accent6">
+              <a:lumMod val="75000"/>
+            </a:schemeClr>
+          </a:solidFill>
+          <a:ln>
+            <a:noFill/>
+          </a:ln>
+        </p:spPr>
+        <p:style>
+          <a:lnRef idx="2">
+            <a:schemeClr val="accent1">
+              <a:shade val="50000"/>
+            </a:schemeClr>
+          </a:lnRef>
+          <a:fillRef idx="1">
+            <a:schemeClr val="accent1"/>
+          </a:fillRef>
+          <a:effectRef idx="0">
+            <a:schemeClr val="accent1"/>
+          </a:effectRef>
+          <a:fontRef idx="minor">
+            <a:schemeClr val="lt1"/>
+          </a:fontRef>
+        </p:style>
+        <p:txBody>
+          <a:bodyPr rtlCol="0" anchor="ctr"/>
+          <a:lstStyle/>
+          <a:p>
+            <a:pPr algn="ctr"/>
+            <a:endParaRPr kumimoji="1" lang="ja-JP" altLang="en-US"/>
+          </a:p>
+        </p:txBody>
+      </p:sp>
+      <p:cxnSp>
+        <p:nvCxnSpPr>
+          <p:cNvPr id="3" name="直線コネクタ 2">
+            <a:extLst>
+              <a:ext uri="{FF2B5EF4-FFF2-40B4-BE49-F238E27FC236}">
+                <a16:creationId xmlns:a16="http://schemas.microsoft.com/office/drawing/2014/main" id="{55E1ADF8-F4DF-417B-9083-CFA33473CA2B}"/>
+              </a:ext>
+            </a:extLst>
+          </p:cNvPr>
+          <p:cNvCxnSpPr>
+            <a:cxnSpLocks/>
+          </p:cNvCxnSpPr>
+          <p:nvPr/>
+        </p:nvCxnSpPr>
+        <p:spPr>
+          <a:xfrm>
+            <a:off x="2756453" y="1258956"/>
+            <a:ext cx="4770782" cy="0"/>
+          </a:xfrm>
+          <a:prstGeom prst="line">
+            <a:avLst/>
+          </a:prstGeom>
+          <a:ln w="76200">
+            <a:solidFill>
+              <a:schemeClr val="tx1"/>
+            </a:solidFill>
+          </a:ln>
+        </p:spPr>
+        <p:style>
+          <a:lnRef idx="1">
+            <a:schemeClr val="accent1"/>
+          </a:lnRef>
+          <a:fillRef idx="0">
+            <a:schemeClr val="accent1"/>
+          </a:fillRef>
+          <a:effectRef idx="0">
+            <a:schemeClr val="accent1"/>
+          </a:effectRef>
+          <a:fontRef idx="minor">
+            <a:schemeClr val="tx1"/>
+          </a:fontRef>
+        </p:style>
+      </p:cxnSp>
+      <p:cxnSp>
+        <p:nvCxnSpPr>
+          <p:cNvPr id="4" name="直線コネクタ 3">
+            <a:extLst>
+              <a:ext uri="{FF2B5EF4-FFF2-40B4-BE49-F238E27FC236}">
+                <a16:creationId xmlns:a16="http://schemas.microsoft.com/office/drawing/2014/main" id="{E046B127-5AB4-482C-B67B-6A24A91FDB21}"/>
+              </a:ext>
+            </a:extLst>
+          </p:cNvPr>
+          <p:cNvCxnSpPr>
+            <a:cxnSpLocks/>
+          </p:cNvCxnSpPr>
+          <p:nvPr/>
+        </p:nvCxnSpPr>
+        <p:spPr>
+          <a:xfrm>
+            <a:off x="2723325" y="1994455"/>
+            <a:ext cx="4803910" cy="0"/>
+          </a:xfrm>
+          <a:prstGeom prst="line">
+            <a:avLst/>
+          </a:prstGeom>
+          <a:ln w="76200">
+            <a:solidFill>
+              <a:schemeClr val="tx1"/>
+            </a:solidFill>
+          </a:ln>
+        </p:spPr>
+        <p:style>
+          <a:lnRef idx="1">
+            <a:schemeClr val="accent1"/>
+          </a:lnRef>
+          <a:fillRef idx="0">
+            <a:schemeClr val="accent1"/>
+          </a:fillRef>
+          <a:effectRef idx="0">
+            <a:schemeClr val="accent1"/>
+          </a:effectRef>
+          <a:fontRef idx="minor">
+            <a:schemeClr val="tx1"/>
+          </a:fontRef>
+        </p:style>
+      </p:cxnSp>
+      <p:cxnSp>
+        <p:nvCxnSpPr>
+          <p:cNvPr id="5" name="直線コネクタ 4">
+            <a:extLst>
+              <a:ext uri="{FF2B5EF4-FFF2-40B4-BE49-F238E27FC236}">
+                <a16:creationId xmlns:a16="http://schemas.microsoft.com/office/drawing/2014/main" id="{94CFA0B9-A786-4798-8BB8-FA209D987370}"/>
+              </a:ext>
+            </a:extLst>
+          </p:cNvPr>
+          <p:cNvCxnSpPr>
+            <a:cxnSpLocks/>
+          </p:cNvCxnSpPr>
+          <p:nvPr/>
+        </p:nvCxnSpPr>
+        <p:spPr>
+          <a:xfrm>
+            <a:off x="2723325" y="2716699"/>
+            <a:ext cx="4803910" cy="0"/>
+          </a:xfrm>
+          <a:prstGeom prst="line">
+            <a:avLst/>
+          </a:prstGeom>
+          <a:ln w="76200">
+            <a:solidFill>
+              <a:schemeClr val="tx1"/>
+            </a:solidFill>
+          </a:ln>
+        </p:spPr>
+        <p:style>
+          <a:lnRef idx="1">
+            <a:schemeClr val="accent1"/>
+          </a:lnRef>
+          <a:fillRef idx="0">
+            <a:schemeClr val="accent1"/>
+          </a:fillRef>
+          <a:effectRef idx="0">
+            <a:schemeClr val="accent1"/>
+          </a:effectRef>
+          <a:fontRef idx="minor">
+            <a:schemeClr val="tx1"/>
+          </a:fontRef>
+        </p:style>
+      </p:cxnSp>
+      <p:cxnSp>
+        <p:nvCxnSpPr>
+          <p:cNvPr id="6" name="直線コネクタ 5">
+            <a:extLst>
+              <a:ext uri="{FF2B5EF4-FFF2-40B4-BE49-F238E27FC236}">
+                <a16:creationId xmlns:a16="http://schemas.microsoft.com/office/drawing/2014/main" id="{91EB4A20-FB99-403C-BD2A-59070E49ED4C}"/>
+              </a:ext>
+            </a:extLst>
+          </p:cNvPr>
+          <p:cNvCxnSpPr>
+            <a:cxnSpLocks/>
+          </p:cNvCxnSpPr>
+          <p:nvPr/>
+        </p:nvCxnSpPr>
+        <p:spPr>
+          <a:xfrm>
+            <a:off x="2723325" y="3412438"/>
+            <a:ext cx="4803910" cy="0"/>
+          </a:xfrm>
+          <a:prstGeom prst="line">
+            <a:avLst/>
+          </a:prstGeom>
+          <a:ln w="76200">
+            <a:solidFill>
+              <a:schemeClr val="tx1"/>
+            </a:solidFill>
+          </a:ln>
+        </p:spPr>
+        <p:style>
+          <a:lnRef idx="1">
+            <a:schemeClr val="accent1"/>
+          </a:lnRef>
+          <a:fillRef idx="0">
+            <a:schemeClr val="accent1"/>
+          </a:fillRef>
+          <a:effectRef idx="0">
+            <a:schemeClr val="accent1"/>
+          </a:effectRef>
+          <a:fontRef idx="minor">
+            <a:schemeClr val="tx1"/>
+          </a:fontRef>
+        </p:style>
+      </p:cxnSp>
+      <p:cxnSp>
+        <p:nvCxnSpPr>
+          <p:cNvPr id="7" name="直線コネクタ 6">
+            <a:extLst>
+              <a:ext uri="{FF2B5EF4-FFF2-40B4-BE49-F238E27FC236}">
+                <a16:creationId xmlns:a16="http://schemas.microsoft.com/office/drawing/2014/main" id="{C160141B-664C-4204-A645-63B140FAED27}"/>
+              </a:ext>
+            </a:extLst>
+          </p:cNvPr>
+          <p:cNvCxnSpPr>
+            <a:cxnSpLocks/>
+          </p:cNvCxnSpPr>
+          <p:nvPr/>
+        </p:nvCxnSpPr>
+        <p:spPr>
+          <a:xfrm>
+            <a:off x="2756453" y="4174438"/>
+            <a:ext cx="4770782" cy="0"/>
+          </a:xfrm>
+          <a:prstGeom prst="line">
+            <a:avLst/>
+          </a:prstGeom>
+          <a:ln w="76200">
+            <a:solidFill>
+              <a:schemeClr val="tx1"/>
+            </a:solidFill>
+          </a:ln>
+        </p:spPr>
+        <p:style>
+          <a:lnRef idx="1">
+            <a:schemeClr val="accent1"/>
+          </a:lnRef>
+          <a:fillRef idx="0">
+            <a:schemeClr val="accent1"/>
+          </a:fillRef>
+          <a:effectRef idx="0">
+            <a:schemeClr val="accent1"/>
+          </a:effectRef>
+          <a:fontRef idx="minor">
+            <a:schemeClr val="tx1"/>
+          </a:fontRef>
+        </p:style>
+      </p:cxnSp>
+      <p:cxnSp>
+        <p:nvCxnSpPr>
+          <p:cNvPr id="8" name="直線コネクタ 7">
+            <a:extLst>
+              <a:ext uri="{FF2B5EF4-FFF2-40B4-BE49-F238E27FC236}">
+                <a16:creationId xmlns:a16="http://schemas.microsoft.com/office/drawing/2014/main" id="{287694FB-E3C0-4EF3-8FFB-025126C0018A}"/>
+              </a:ext>
+            </a:extLst>
+          </p:cNvPr>
+          <p:cNvCxnSpPr>
+            <a:cxnSpLocks/>
+          </p:cNvCxnSpPr>
+          <p:nvPr/>
+        </p:nvCxnSpPr>
+        <p:spPr>
+          <a:xfrm>
+            <a:off x="2723325" y="4883430"/>
+            <a:ext cx="4803910" cy="0"/>
+          </a:xfrm>
+          <a:prstGeom prst="line">
+            <a:avLst/>
+          </a:prstGeom>
+          <a:ln w="76200">
+            <a:solidFill>
+              <a:schemeClr val="tx1"/>
+            </a:solidFill>
+          </a:ln>
+        </p:spPr>
+        <p:style>
+          <a:lnRef idx="1">
+            <a:schemeClr val="accent1"/>
+          </a:lnRef>
+          <a:fillRef idx="0">
+            <a:schemeClr val="accent1"/>
+          </a:fillRef>
+          <a:effectRef idx="0">
+            <a:schemeClr val="accent1"/>
+          </a:effectRef>
+          <a:fontRef idx="minor">
+            <a:schemeClr val="tx1"/>
+          </a:fontRef>
+        </p:style>
+      </p:cxnSp>
+      <p:cxnSp>
+        <p:nvCxnSpPr>
+          <p:cNvPr id="9" name="直線コネクタ 8">
+            <a:extLst>
+              <a:ext uri="{FF2B5EF4-FFF2-40B4-BE49-F238E27FC236}">
+                <a16:creationId xmlns:a16="http://schemas.microsoft.com/office/drawing/2014/main" id="{F5CCE1AE-2FEC-4A7A-BD48-302A8106425F}"/>
+              </a:ext>
+            </a:extLst>
+          </p:cNvPr>
+          <p:cNvCxnSpPr>
+            <a:cxnSpLocks/>
+          </p:cNvCxnSpPr>
+          <p:nvPr/>
+        </p:nvCxnSpPr>
+        <p:spPr>
+          <a:xfrm flipV="1">
+            <a:off x="3478699" y="940904"/>
+            <a:ext cx="0" cy="4439478"/>
+          </a:xfrm>
+          <a:prstGeom prst="line">
+            <a:avLst/>
+          </a:prstGeom>
+          <a:ln w="76200">
+            <a:solidFill>
+              <a:schemeClr val="tx1"/>
+            </a:solidFill>
+          </a:ln>
+        </p:spPr>
+        <p:style>
+          <a:lnRef idx="1">
+            <a:schemeClr val="accent1"/>
+          </a:lnRef>
+          <a:fillRef idx="0">
+            <a:schemeClr val="accent1"/>
+          </a:fillRef>
+          <a:effectRef idx="0">
+            <a:schemeClr val="accent1"/>
+          </a:effectRef>
+          <a:fontRef idx="minor">
+            <a:schemeClr val="tx1"/>
+          </a:fontRef>
+        </p:style>
+      </p:cxnSp>
+      <p:cxnSp>
+        <p:nvCxnSpPr>
+          <p:cNvPr id="11" name="直線コネクタ 10">
+            <a:extLst>
+              <a:ext uri="{FF2B5EF4-FFF2-40B4-BE49-F238E27FC236}">
+                <a16:creationId xmlns:a16="http://schemas.microsoft.com/office/drawing/2014/main" id="{C0B67156-946F-411D-B32A-CBE85D2D6DF5}"/>
+              </a:ext>
+            </a:extLst>
+          </p:cNvPr>
+          <p:cNvCxnSpPr>
+            <a:cxnSpLocks/>
+          </p:cNvCxnSpPr>
+          <p:nvPr/>
+        </p:nvCxnSpPr>
+        <p:spPr>
+          <a:xfrm flipV="1">
+            <a:off x="4214194" y="940904"/>
+            <a:ext cx="0" cy="4439478"/>
+          </a:xfrm>
+          <a:prstGeom prst="line">
+            <a:avLst/>
+          </a:prstGeom>
+          <a:ln w="76200">
+            <a:solidFill>
+              <a:schemeClr val="tx1"/>
+            </a:solidFill>
+          </a:ln>
+        </p:spPr>
+        <p:style>
+          <a:lnRef idx="1">
+            <a:schemeClr val="accent1"/>
+          </a:lnRef>
+          <a:fillRef idx="0">
+            <a:schemeClr val="accent1"/>
+          </a:fillRef>
+          <a:effectRef idx="0">
+            <a:schemeClr val="accent1"/>
+          </a:effectRef>
+          <a:fontRef idx="minor">
+            <a:schemeClr val="tx1"/>
+          </a:fontRef>
+        </p:style>
+      </p:cxnSp>
+      <p:cxnSp>
+        <p:nvCxnSpPr>
+          <p:cNvPr id="12" name="直線コネクタ 11">
+            <a:extLst>
+              <a:ext uri="{FF2B5EF4-FFF2-40B4-BE49-F238E27FC236}">
+                <a16:creationId xmlns:a16="http://schemas.microsoft.com/office/drawing/2014/main" id="{6B16760C-9E11-4FAD-857D-0FA1215019C2}"/>
+              </a:ext>
+            </a:extLst>
+          </p:cNvPr>
+          <p:cNvCxnSpPr>
+            <a:cxnSpLocks/>
+          </p:cNvCxnSpPr>
+          <p:nvPr/>
+        </p:nvCxnSpPr>
+        <p:spPr>
+          <a:xfrm flipV="1">
+            <a:off x="4909933" y="940904"/>
+            <a:ext cx="0" cy="4439478"/>
+          </a:xfrm>
+          <a:prstGeom prst="line">
+            <a:avLst/>
+          </a:prstGeom>
+          <a:ln w="76200">
+            <a:solidFill>
+              <a:schemeClr val="tx1"/>
+            </a:solidFill>
+          </a:ln>
+        </p:spPr>
+        <p:style>
+          <a:lnRef idx="1">
+            <a:schemeClr val="accent1"/>
+          </a:lnRef>
+          <a:fillRef idx="0">
+            <a:schemeClr val="accent1"/>
+          </a:fillRef>
+          <a:effectRef idx="0">
+            <a:schemeClr val="accent1"/>
+          </a:effectRef>
+          <a:fontRef idx="minor">
+            <a:schemeClr val="tx1"/>
+          </a:fontRef>
+        </p:style>
+      </p:cxnSp>
+      <p:cxnSp>
+        <p:nvCxnSpPr>
+          <p:cNvPr id="13" name="直線コネクタ 12">
+            <a:extLst>
+              <a:ext uri="{FF2B5EF4-FFF2-40B4-BE49-F238E27FC236}">
+                <a16:creationId xmlns:a16="http://schemas.microsoft.com/office/drawing/2014/main" id="{07AB223D-A3D4-4685-9178-CD0B2D8370A3}"/>
+              </a:ext>
+            </a:extLst>
+          </p:cNvPr>
+          <p:cNvCxnSpPr>
+            <a:cxnSpLocks/>
+          </p:cNvCxnSpPr>
+          <p:nvPr/>
+        </p:nvCxnSpPr>
+        <p:spPr>
+          <a:xfrm flipV="1">
+            <a:off x="5645429" y="927652"/>
+            <a:ext cx="0" cy="4452730"/>
+          </a:xfrm>
+          <a:prstGeom prst="line">
+            <a:avLst/>
+          </a:prstGeom>
+          <a:ln w="76200">
+            <a:solidFill>
+              <a:schemeClr val="tx1"/>
+            </a:solidFill>
+          </a:ln>
+        </p:spPr>
+        <p:style>
+          <a:lnRef idx="1">
+            <a:schemeClr val="accent1"/>
+          </a:lnRef>
+          <a:fillRef idx="0">
+            <a:schemeClr val="accent1"/>
+          </a:fillRef>
+          <a:effectRef idx="0">
+            <a:schemeClr val="accent1"/>
+          </a:effectRef>
+          <a:fontRef idx="minor">
+            <a:schemeClr val="tx1"/>
+          </a:fontRef>
+        </p:style>
+      </p:cxnSp>
+      <p:cxnSp>
+        <p:nvCxnSpPr>
+          <p:cNvPr id="14" name="直線コネクタ 13">
+            <a:extLst>
+              <a:ext uri="{FF2B5EF4-FFF2-40B4-BE49-F238E27FC236}">
+                <a16:creationId xmlns:a16="http://schemas.microsoft.com/office/drawing/2014/main" id="{C4225315-0EB3-47CB-A420-3118B26E8588}"/>
+              </a:ext>
+            </a:extLst>
+          </p:cNvPr>
+          <p:cNvCxnSpPr>
+            <a:cxnSpLocks/>
+          </p:cNvCxnSpPr>
+          <p:nvPr/>
+        </p:nvCxnSpPr>
+        <p:spPr>
+          <a:xfrm flipV="1">
+            <a:off x="6367672" y="927652"/>
+            <a:ext cx="0" cy="4452730"/>
+          </a:xfrm>
+          <a:prstGeom prst="line">
+            <a:avLst/>
+          </a:prstGeom>
+          <a:ln w="76200">
+            <a:solidFill>
+              <a:schemeClr val="tx1"/>
+            </a:solidFill>
+          </a:ln>
+        </p:spPr>
+        <p:style>
+          <a:lnRef idx="1">
+            <a:schemeClr val="accent1"/>
+          </a:lnRef>
+          <a:fillRef idx="0">
+            <a:schemeClr val="accent1"/>
+          </a:fillRef>
+          <a:effectRef idx="0">
+            <a:schemeClr val="accent1"/>
+          </a:effectRef>
+          <a:fontRef idx="minor">
+            <a:schemeClr val="tx1"/>
+          </a:fontRef>
+        </p:style>
+      </p:cxnSp>
+      <p:cxnSp>
+        <p:nvCxnSpPr>
+          <p:cNvPr id="15" name="直線コネクタ 14">
+            <a:extLst>
+              <a:ext uri="{FF2B5EF4-FFF2-40B4-BE49-F238E27FC236}">
+                <a16:creationId xmlns:a16="http://schemas.microsoft.com/office/drawing/2014/main" id="{B0F0E873-926E-4E68-9543-AA51591EE35A}"/>
+              </a:ext>
+            </a:extLst>
+          </p:cNvPr>
+          <p:cNvCxnSpPr>
+            <a:cxnSpLocks/>
+          </p:cNvCxnSpPr>
+          <p:nvPr/>
+        </p:nvCxnSpPr>
+        <p:spPr>
+          <a:xfrm flipV="1">
+            <a:off x="7089916" y="927652"/>
+            <a:ext cx="0" cy="4452730"/>
+          </a:xfrm>
+          <a:prstGeom prst="line">
+            <a:avLst/>
+          </a:prstGeom>
+          <a:ln w="76200">
+            <a:solidFill>
+              <a:schemeClr val="tx1"/>
+            </a:solidFill>
+          </a:ln>
+        </p:spPr>
+        <p:style>
+          <a:lnRef idx="1">
+            <a:schemeClr val="accent1"/>
+          </a:lnRef>
+          <a:fillRef idx="0">
+            <a:schemeClr val="accent1"/>
+          </a:fillRef>
+          <a:effectRef idx="0">
+            <a:schemeClr val="accent1"/>
+          </a:effectRef>
+          <a:fontRef idx="minor">
+            <a:schemeClr val="tx1"/>
+          </a:fontRef>
+        </p:style>
+      </p:cxnSp>
     </p:spTree>
     <p:extLst>
       <p:ext uri="{BB962C8B-B14F-4D97-AF65-F5344CB8AC3E}">
         <p14:creationId xmlns:p14="http://schemas.microsoft.com/office/powerpoint/2010/main" val="1554540959"/>
+      </p:ext>
+    </p:extLst>
+  </p:cSld>
+  <p:clrMapOvr>
+    <a:masterClrMapping/>
+  </p:clrMapOvr>
+</p:sld>
+</file>
+
+<file path=ppt/slides/slide4.xml><?xml version="1.0" encoding="utf-8"?>
+<p:sld xmlns:a="http://schemas.openxmlformats.org/drawingml/2006/main" xmlns:r="http://schemas.openxmlformats.org/officeDocument/2006/relationships" xmlns:p="http://schemas.openxmlformats.org/presentationml/2006/main">
+  <p:cSld>
+    <p:spTree>
+      <p:nvGrpSpPr>
+        <p:cNvPr id="1" name=""/>
+        <p:cNvGrpSpPr/>
+        <p:nvPr/>
+      </p:nvGrpSpPr>
+      <p:grpSpPr>
+        <a:xfrm>
+          <a:off x="0" y="0"/>
+          <a:ext cx="0" cy="0"/>
+          <a:chOff x="0" y="0"/>
+          <a:chExt cx="0" cy="0"/>
+        </a:xfrm>
+      </p:grpSpPr>
+      <p:sp>
+        <p:nvSpPr>
+          <p:cNvPr id="29" name="正方形/長方形 28">
+            <a:extLst>
+              <a:ext uri="{FF2B5EF4-FFF2-40B4-BE49-F238E27FC236}">
+                <a16:creationId xmlns:a16="http://schemas.microsoft.com/office/drawing/2014/main" id="{0A3FF532-D5FE-46B4-949C-9A53DBC23EEB}"/>
+              </a:ext>
+            </a:extLst>
+          </p:cNvPr>
+          <p:cNvSpPr/>
+          <p:nvPr/>
+        </p:nvSpPr>
+        <p:spPr>
+          <a:xfrm>
+            <a:off x="0" y="0"/>
+            <a:ext cx="12192000" cy="6858000"/>
+          </a:xfrm>
+          <a:prstGeom prst="rect">
+            <a:avLst/>
+          </a:prstGeom>
+          <a:solidFill>
+            <a:schemeClr val="accent6">
+              <a:lumMod val="75000"/>
+            </a:schemeClr>
+          </a:solidFill>
+          <a:ln>
+            <a:noFill/>
+          </a:ln>
+        </p:spPr>
+        <p:style>
+          <a:lnRef idx="2">
+            <a:schemeClr val="accent1">
+              <a:shade val="50000"/>
+            </a:schemeClr>
+          </a:lnRef>
+          <a:fillRef idx="1">
+            <a:schemeClr val="accent1"/>
+          </a:fillRef>
+          <a:effectRef idx="0">
+            <a:schemeClr val="accent1"/>
+          </a:effectRef>
+          <a:fontRef idx="minor">
+            <a:schemeClr val="lt1"/>
+          </a:fontRef>
+        </p:style>
+        <p:txBody>
+          <a:bodyPr rtlCol="0" anchor="ctr"/>
+          <a:lstStyle/>
+          <a:p>
+            <a:pPr algn="ctr"/>
+            <a:endParaRPr kumimoji="1" lang="ja-JP" altLang="en-US"/>
+          </a:p>
+        </p:txBody>
+      </p:sp>
+      <p:cxnSp>
+        <p:nvCxnSpPr>
+          <p:cNvPr id="14" name="直線コネクタ 13">
+            <a:extLst>
+              <a:ext uri="{FF2B5EF4-FFF2-40B4-BE49-F238E27FC236}">
+                <a16:creationId xmlns:a16="http://schemas.microsoft.com/office/drawing/2014/main" id="{000F48A6-2694-4D7E-A322-24FD5658DF35}"/>
+              </a:ext>
+            </a:extLst>
+          </p:cNvPr>
+          <p:cNvCxnSpPr>
+            <a:cxnSpLocks/>
+            <a:stCxn id="5" idx="3"/>
+          </p:cNvCxnSpPr>
+          <p:nvPr/>
+        </p:nvCxnSpPr>
+        <p:spPr>
+          <a:xfrm flipV="1">
+            <a:off x="4448384" y="2271137"/>
+            <a:ext cx="2164894" cy="4118"/>
+          </a:xfrm>
+          <a:prstGeom prst="line">
+            <a:avLst/>
+          </a:prstGeom>
+          <a:ln w="57150">
+            <a:solidFill>
+              <a:srgbClr val="FFFF00"/>
+            </a:solidFill>
+          </a:ln>
+        </p:spPr>
+        <p:style>
+          <a:lnRef idx="1">
+            <a:schemeClr val="accent1"/>
+          </a:lnRef>
+          <a:fillRef idx="0">
+            <a:schemeClr val="accent1"/>
+          </a:fillRef>
+          <a:effectRef idx="0">
+            <a:schemeClr val="accent1"/>
+          </a:effectRef>
+          <a:fontRef idx="minor">
+            <a:schemeClr val="tx1"/>
+          </a:fontRef>
+        </p:style>
+      </p:cxnSp>
+      <p:cxnSp>
+        <p:nvCxnSpPr>
+          <p:cNvPr id="24" name="直線コネクタ 23">
+            <a:extLst>
+              <a:ext uri="{FF2B5EF4-FFF2-40B4-BE49-F238E27FC236}">
+                <a16:creationId xmlns:a16="http://schemas.microsoft.com/office/drawing/2014/main" id="{DF616CBC-3BE1-489D-9518-9EF88A57ADAC}"/>
+              </a:ext>
+            </a:extLst>
+          </p:cNvPr>
+          <p:cNvCxnSpPr>
+            <a:cxnSpLocks/>
+          </p:cNvCxnSpPr>
+          <p:nvPr/>
+        </p:nvCxnSpPr>
+        <p:spPr>
+          <a:xfrm>
+            <a:off x="7884281" y="2304954"/>
+            <a:ext cx="1944704" cy="0"/>
+          </a:xfrm>
+          <a:prstGeom prst="line">
+            <a:avLst/>
+          </a:prstGeom>
+          <a:ln w="57150">
+            <a:solidFill>
+              <a:srgbClr val="FFFF00"/>
+            </a:solidFill>
+          </a:ln>
+        </p:spPr>
+        <p:style>
+          <a:lnRef idx="1">
+            <a:schemeClr val="accent1"/>
+          </a:lnRef>
+          <a:fillRef idx="0">
+            <a:schemeClr val="accent1"/>
+          </a:fillRef>
+          <a:effectRef idx="0">
+            <a:schemeClr val="accent1"/>
+          </a:effectRef>
+          <a:fontRef idx="minor">
+            <a:schemeClr val="tx1"/>
+          </a:fontRef>
+        </p:style>
+      </p:cxnSp>
+      <p:cxnSp>
+        <p:nvCxnSpPr>
+          <p:cNvPr id="22" name="直線コネクタ 21">
+            <a:extLst>
+              <a:ext uri="{FF2B5EF4-FFF2-40B4-BE49-F238E27FC236}">
+                <a16:creationId xmlns:a16="http://schemas.microsoft.com/office/drawing/2014/main" id="{EF3603B6-82CA-4B41-9091-36DBDB83E101}"/>
+              </a:ext>
+            </a:extLst>
+          </p:cNvPr>
+          <p:cNvCxnSpPr>
+            <a:cxnSpLocks/>
+          </p:cNvCxnSpPr>
+          <p:nvPr/>
+        </p:nvCxnSpPr>
+        <p:spPr>
+          <a:xfrm>
+            <a:off x="7246364" y="2701487"/>
+            <a:ext cx="1" cy="1604439"/>
+          </a:xfrm>
+          <a:prstGeom prst="line">
+            <a:avLst/>
+          </a:prstGeom>
+          <a:ln w="57150">
+            <a:solidFill>
+              <a:srgbClr val="FFFF00"/>
+            </a:solidFill>
+          </a:ln>
+        </p:spPr>
+        <p:style>
+          <a:lnRef idx="1">
+            <a:schemeClr val="accent1"/>
+          </a:lnRef>
+          <a:fillRef idx="0">
+            <a:schemeClr val="accent1"/>
+          </a:fillRef>
+          <a:effectRef idx="0">
+            <a:schemeClr val="accent1"/>
+          </a:effectRef>
+          <a:fontRef idx="minor">
+            <a:schemeClr val="tx1"/>
+          </a:fontRef>
+        </p:style>
+      </p:cxnSp>
+      <p:sp>
+        <p:nvSpPr>
+          <p:cNvPr id="7" name="正方形/長方形 6">
+            <a:extLst>
+              <a:ext uri="{FF2B5EF4-FFF2-40B4-BE49-F238E27FC236}">
+                <a16:creationId xmlns:a16="http://schemas.microsoft.com/office/drawing/2014/main" id="{581798A7-9C6A-41DD-BA33-03C4ADF7A29D}"/>
+              </a:ext>
+            </a:extLst>
+          </p:cNvPr>
+          <p:cNvSpPr/>
+          <p:nvPr/>
+        </p:nvSpPr>
+        <p:spPr>
+          <a:xfrm>
+            <a:off x="6442878" y="1617252"/>
+            <a:ext cx="1606972" cy="1225826"/>
+          </a:xfrm>
+          <a:prstGeom prst="rect">
+            <a:avLst/>
+          </a:prstGeom>
+          <a:solidFill>
+            <a:schemeClr val="accent6">
+              <a:lumMod val="75000"/>
+            </a:schemeClr>
+          </a:solidFill>
+          <a:ln w="57150">
+            <a:solidFill>
+              <a:schemeClr val="bg1"/>
+            </a:solidFill>
+          </a:ln>
+        </p:spPr>
+        <p:style>
+          <a:lnRef idx="2">
+            <a:schemeClr val="accent1">
+              <a:shade val="50000"/>
+            </a:schemeClr>
+          </a:lnRef>
+          <a:fillRef idx="1">
+            <a:schemeClr val="accent1"/>
+          </a:fillRef>
+          <a:effectRef idx="0">
+            <a:schemeClr val="accent1"/>
+          </a:effectRef>
+          <a:fontRef idx="minor">
+            <a:schemeClr val="lt1"/>
+          </a:fontRef>
+        </p:style>
+        <p:txBody>
+          <a:bodyPr rtlCol="0" anchor="ctr"/>
+          <a:lstStyle/>
+          <a:p>
+            <a:pPr algn="ctr"/>
+            <a:r>
+              <a:rPr kumimoji="1" lang="en-US" altLang="ja-JP" sz="3200" b="1" dirty="0"/>
+              <a:t>Pro</a:t>
+            </a:r>
+          </a:p>
+          <a:p>
+            <a:pPr algn="ctr"/>
+            <a:r>
+              <a:rPr lang="en-US" altLang="ja-JP" sz="3200" b="1" dirty="0"/>
+              <a:t>Micro</a:t>
+            </a:r>
+            <a:endParaRPr kumimoji="1" lang="ja-JP" altLang="en-US" sz="3200" b="1" dirty="0"/>
+          </a:p>
+        </p:txBody>
+      </p:sp>
+      <p:sp>
+        <p:nvSpPr>
+          <p:cNvPr id="9" name="正方形/長方形 8">
+            <a:extLst>
+              <a:ext uri="{FF2B5EF4-FFF2-40B4-BE49-F238E27FC236}">
+                <a16:creationId xmlns:a16="http://schemas.microsoft.com/office/drawing/2014/main" id="{B54D7FE1-68DA-491F-8D04-A43B50741085}"/>
+              </a:ext>
+            </a:extLst>
+          </p:cNvPr>
+          <p:cNvSpPr/>
+          <p:nvPr/>
+        </p:nvSpPr>
+        <p:spPr>
+          <a:xfrm>
+            <a:off x="268622" y="2959801"/>
+            <a:ext cx="1758961" cy="1087812"/>
+          </a:xfrm>
+          <a:prstGeom prst="rect">
+            <a:avLst/>
+          </a:prstGeom>
+          <a:solidFill>
+            <a:schemeClr val="accent6">
+              <a:lumMod val="75000"/>
+            </a:schemeClr>
+          </a:solidFill>
+          <a:ln w="57150">
+            <a:solidFill>
+              <a:schemeClr val="bg1"/>
+            </a:solidFill>
+          </a:ln>
+        </p:spPr>
+        <p:style>
+          <a:lnRef idx="2">
+            <a:schemeClr val="accent1">
+              <a:shade val="50000"/>
+            </a:schemeClr>
+          </a:lnRef>
+          <a:fillRef idx="1">
+            <a:schemeClr val="accent1"/>
+          </a:fillRef>
+          <a:effectRef idx="0">
+            <a:schemeClr val="accent1"/>
+          </a:effectRef>
+          <a:fontRef idx="minor">
+            <a:schemeClr val="lt1"/>
+          </a:fontRef>
+        </p:style>
+        <p:txBody>
+          <a:bodyPr rtlCol="0" anchor="ctr"/>
+          <a:lstStyle/>
+          <a:p>
+            <a:pPr algn="ctr"/>
+            <a:r>
+              <a:rPr kumimoji="1" lang="en-US" altLang="ja-JP" sz="3200" b="1" dirty="0"/>
+              <a:t>OLED</a:t>
+            </a:r>
+            <a:endParaRPr kumimoji="1" lang="ja-JP" altLang="en-US" sz="3200" b="1" dirty="0"/>
+          </a:p>
+        </p:txBody>
+      </p:sp>
+      <p:sp>
+        <p:nvSpPr>
+          <p:cNvPr id="10" name="正方形/長方形 9">
+            <a:extLst>
+              <a:ext uri="{FF2B5EF4-FFF2-40B4-BE49-F238E27FC236}">
+                <a16:creationId xmlns:a16="http://schemas.microsoft.com/office/drawing/2014/main" id="{5A1F187D-4CDA-4F93-A6BA-EE2DE855B781}"/>
+              </a:ext>
+            </a:extLst>
+          </p:cNvPr>
+          <p:cNvSpPr/>
+          <p:nvPr/>
+        </p:nvSpPr>
+        <p:spPr>
+          <a:xfrm>
+            <a:off x="6253359" y="4203222"/>
+            <a:ext cx="2080591" cy="1378226"/>
+          </a:xfrm>
+          <a:prstGeom prst="rect">
+            <a:avLst/>
+          </a:prstGeom>
+          <a:solidFill>
+            <a:schemeClr val="accent6">
+              <a:lumMod val="75000"/>
+            </a:schemeClr>
+          </a:solidFill>
+          <a:ln w="57150">
+            <a:solidFill>
+              <a:schemeClr val="bg1"/>
+            </a:solidFill>
+          </a:ln>
+        </p:spPr>
+        <p:style>
+          <a:lnRef idx="2">
+            <a:schemeClr val="accent1">
+              <a:shade val="50000"/>
+            </a:schemeClr>
+          </a:lnRef>
+          <a:fillRef idx="1">
+            <a:schemeClr val="accent1"/>
+          </a:fillRef>
+          <a:effectRef idx="0">
+            <a:schemeClr val="accent1"/>
+          </a:effectRef>
+          <a:fontRef idx="minor">
+            <a:schemeClr val="lt1"/>
+          </a:fontRef>
+        </p:style>
+        <p:txBody>
+          <a:bodyPr rtlCol="0" anchor="ctr"/>
+          <a:lstStyle/>
+          <a:p>
+            <a:pPr algn="ctr"/>
+            <a:r>
+              <a:rPr lang="en-US" altLang="ja-JP" sz="3200" b="1" dirty="0"/>
+              <a:t>Track</a:t>
+            </a:r>
+          </a:p>
+          <a:p>
+            <a:pPr algn="ctr"/>
+            <a:r>
+              <a:rPr kumimoji="1" lang="en-US" altLang="ja-JP" sz="3200" b="1" dirty="0"/>
+              <a:t>Ball</a:t>
+            </a:r>
+            <a:endParaRPr kumimoji="1" lang="ja-JP" altLang="en-US" sz="3200" b="1" dirty="0"/>
+          </a:p>
+        </p:txBody>
+      </p:sp>
+      <p:grpSp>
+        <p:nvGrpSpPr>
+          <p:cNvPr id="27" name="グループ化 26">
+            <a:extLst>
+              <a:ext uri="{FF2B5EF4-FFF2-40B4-BE49-F238E27FC236}">
+                <a16:creationId xmlns:a16="http://schemas.microsoft.com/office/drawing/2014/main" id="{80893086-3F1A-48B5-9C40-AA1FC1DC0DCC}"/>
+              </a:ext>
+            </a:extLst>
+          </p:cNvPr>
+          <p:cNvGrpSpPr/>
+          <p:nvPr/>
+        </p:nvGrpSpPr>
+        <p:grpSpPr>
+          <a:xfrm>
+            <a:off x="9687337" y="1486734"/>
+            <a:ext cx="2072341" cy="1874975"/>
+            <a:chOff x="9986379" y="1446979"/>
+            <a:chExt cx="2072341" cy="1874975"/>
+          </a:xfrm>
+        </p:grpSpPr>
+        <p:pic>
+          <p:nvPicPr>
+            <p:cNvPr id="8" name="図 7">
+              <a:extLst>
+                <a:ext uri="{FF2B5EF4-FFF2-40B4-BE49-F238E27FC236}">
+                  <a16:creationId xmlns:a16="http://schemas.microsoft.com/office/drawing/2014/main" id="{FC06995F-68CB-43EB-8CD7-0EABB631B7B0}"/>
+                </a:ext>
+              </a:extLst>
+            </p:cNvPr>
+            <p:cNvPicPr>
+              <a:picLocks noChangeAspect="1"/>
+            </p:cNvPicPr>
+            <p:nvPr/>
+          </p:nvPicPr>
+          <p:blipFill>
+            <a:blip r:embed="rId2"/>
+            <a:stretch>
+              <a:fillRect/>
+            </a:stretch>
+          </p:blipFill>
+          <p:spPr>
+            <a:xfrm>
+              <a:off x="9986379" y="1446979"/>
+              <a:ext cx="2072341" cy="1874975"/>
+            </a:xfrm>
+            <a:prstGeom prst="rect">
+              <a:avLst/>
+            </a:prstGeom>
+          </p:spPr>
+        </p:pic>
+        <p:sp>
+          <p:nvSpPr>
+            <p:cNvPr id="12" name="テキスト ボックス 11">
+              <a:extLst>
+                <a:ext uri="{FF2B5EF4-FFF2-40B4-BE49-F238E27FC236}">
+                  <a16:creationId xmlns:a16="http://schemas.microsoft.com/office/drawing/2014/main" id="{0E58DD9F-1752-476A-AA5F-001572848E87}"/>
+                </a:ext>
+              </a:extLst>
+            </p:cNvPr>
+            <p:cNvSpPr txBox="1"/>
+            <p:nvPr/>
+          </p:nvSpPr>
+          <p:spPr>
+            <a:xfrm>
+              <a:off x="10128027" y="1845857"/>
+              <a:ext cx="1789043" cy="1077218"/>
+            </a:xfrm>
+            <a:prstGeom prst="rect">
+              <a:avLst/>
+            </a:prstGeom>
+            <a:noFill/>
+          </p:spPr>
+          <p:txBody>
+            <a:bodyPr wrap="square" rtlCol="0">
+              <a:spAutoFit/>
+            </a:bodyPr>
+            <a:lstStyle/>
+            <a:p>
+              <a:pPr algn="ctr"/>
+              <a:r>
+                <a:rPr kumimoji="1" lang="en-US" altLang="ja-JP" sz="3200" b="1" dirty="0">
+                  <a:solidFill>
+                    <a:schemeClr val="bg1"/>
+                  </a:solidFill>
+                </a:rPr>
+                <a:t>Key</a:t>
+              </a:r>
+            </a:p>
+            <a:p>
+              <a:pPr algn="ctr"/>
+              <a:r>
+                <a:rPr lang="en-US" altLang="ja-JP" sz="3200" b="1" dirty="0">
+                  <a:solidFill>
+                    <a:schemeClr val="bg1"/>
+                  </a:solidFill>
+                </a:rPr>
+                <a:t>Matrix</a:t>
+              </a:r>
+              <a:endParaRPr kumimoji="1" lang="ja-JP" altLang="en-US" sz="3200" b="1" dirty="0">
+                <a:solidFill>
+                  <a:schemeClr val="bg1"/>
+                </a:solidFill>
+              </a:endParaRPr>
+            </a:p>
+          </p:txBody>
+        </p:sp>
+      </p:grpSp>
+      <p:cxnSp>
+        <p:nvCxnSpPr>
+          <p:cNvPr id="16" name="直線コネクタ 15">
+            <a:extLst>
+              <a:ext uri="{FF2B5EF4-FFF2-40B4-BE49-F238E27FC236}">
+                <a16:creationId xmlns:a16="http://schemas.microsoft.com/office/drawing/2014/main" id="{547C327B-B8AC-437A-A4A2-B448261C1260}"/>
+              </a:ext>
+            </a:extLst>
+          </p:cNvPr>
+          <p:cNvCxnSpPr>
+            <a:cxnSpLocks/>
+          </p:cNvCxnSpPr>
+          <p:nvPr/>
+        </p:nvCxnSpPr>
+        <p:spPr>
+          <a:xfrm>
+            <a:off x="3586866" y="2867036"/>
+            <a:ext cx="0" cy="1532686"/>
+          </a:xfrm>
+          <a:prstGeom prst="line">
+            <a:avLst/>
+          </a:prstGeom>
+          <a:ln w="57150">
+            <a:solidFill>
+              <a:srgbClr val="FFFF00"/>
+            </a:solidFill>
+          </a:ln>
+        </p:spPr>
+        <p:style>
+          <a:lnRef idx="1">
+            <a:schemeClr val="accent1"/>
+          </a:lnRef>
+          <a:fillRef idx="0">
+            <a:schemeClr val="accent1"/>
+          </a:fillRef>
+          <a:effectRef idx="0">
+            <a:schemeClr val="accent1"/>
+          </a:effectRef>
+          <a:fontRef idx="minor">
+            <a:schemeClr val="tx1"/>
+          </a:fontRef>
+        </p:style>
+      </p:cxnSp>
+      <p:cxnSp>
+        <p:nvCxnSpPr>
+          <p:cNvPr id="18" name="直線コネクタ 17">
+            <a:extLst>
+              <a:ext uri="{FF2B5EF4-FFF2-40B4-BE49-F238E27FC236}">
+                <a16:creationId xmlns:a16="http://schemas.microsoft.com/office/drawing/2014/main" id="{F6C9890C-C695-4948-AA06-B57BC0A61C36}"/>
+              </a:ext>
+            </a:extLst>
+          </p:cNvPr>
+          <p:cNvCxnSpPr>
+            <a:cxnSpLocks/>
+          </p:cNvCxnSpPr>
+          <p:nvPr/>
+        </p:nvCxnSpPr>
+        <p:spPr>
+          <a:xfrm flipH="1">
+            <a:off x="1148102" y="2275255"/>
+            <a:ext cx="1695567" cy="0"/>
+          </a:xfrm>
+          <a:prstGeom prst="line">
+            <a:avLst/>
+          </a:prstGeom>
+          <a:ln w="57150">
+            <a:solidFill>
+              <a:srgbClr val="FFFF00"/>
+            </a:solidFill>
+          </a:ln>
+        </p:spPr>
+        <p:style>
+          <a:lnRef idx="1">
+            <a:schemeClr val="accent1"/>
+          </a:lnRef>
+          <a:fillRef idx="0">
+            <a:schemeClr val="accent1"/>
+          </a:fillRef>
+          <a:effectRef idx="0">
+            <a:schemeClr val="accent1"/>
+          </a:effectRef>
+          <a:fontRef idx="minor">
+            <a:schemeClr val="tx1"/>
+          </a:fontRef>
+        </p:style>
+      </p:cxnSp>
+      <p:cxnSp>
+        <p:nvCxnSpPr>
+          <p:cNvPr id="20" name="直線コネクタ 19">
+            <a:extLst>
+              <a:ext uri="{FF2B5EF4-FFF2-40B4-BE49-F238E27FC236}">
+                <a16:creationId xmlns:a16="http://schemas.microsoft.com/office/drawing/2014/main" id="{A9CC014A-BF2F-4017-ACED-126A98FAA57D}"/>
+              </a:ext>
+            </a:extLst>
+          </p:cNvPr>
+          <p:cNvCxnSpPr>
+            <a:cxnSpLocks/>
+            <a:stCxn id="9" idx="0"/>
+          </p:cNvCxnSpPr>
+          <p:nvPr/>
+        </p:nvCxnSpPr>
+        <p:spPr>
+          <a:xfrm flipV="1">
+            <a:off x="1148103" y="2275255"/>
+            <a:ext cx="8250" cy="684546"/>
+          </a:xfrm>
+          <a:prstGeom prst="line">
+            <a:avLst/>
+          </a:prstGeom>
+          <a:ln w="57150">
+            <a:solidFill>
+              <a:srgbClr val="FFFF00"/>
+            </a:solidFill>
+          </a:ln>
+        </p:spPr>
+        <p:style>
+          <a:lnRef idx="1">
+            <a:schemeClr val="accent1"/>
+          </a:lnRef>
+          <a:fillRef idx="0">
+            <a:schemeClr val="accent1"/>
+          </a:fillRef>
+          <a:effectRef idx="0">
+            <a:schemeClr val="accent1"/>
+          </a:effectRef>
+          <a:fontRef idx="minor">
+            <a:schemeClr val="tx1"/>
+          </a:fontRef>
+        </p:style>
+      </p:cxnSp>
+      <p:sp>
+        <p:nvSpPr>
+          <p:cNvPr id="5" name="正方形/長方形 4">
+            <a:extLst>
+              <a:ext uri="{FF2B5EF4-FFF2-40B4-BE49-F238E27FC236}">
+                <a16:creationId xmlns:a16="http://schemas.microsoft.com/office/drawing/2014/main" id="{9C01E02F-1D00-47CC-9165-7372461F3C46}"/>
+              </a:ext>
+            </a:extLst>
+          </p:cNvPr>
+          <p:cNvSpPr/>
+          <p:nvPr/>
+        </p:nvSpPr>
+        <p:spPr>
+          <a:xfrm>
+            <a:off x="2841406" y="1662342"/>
+            <a:ext cx="1606978" cy="1225826"/>
+          </a:xfrm>
+          <a:prstGeom prst="rect">
+            <a:avLst/>
+          </a:prstGeom>
+          <a:solidFill>
+            <a:schemeClr val="accent6">
+              <a:lumMod val="75000"/>
+            </a:schemeClr>
+          </a:solidFill>
+          <a:ln w="57150">
+            <a:solidFill>
+              <a:schemeClr val="bg1"/>
+            </a:solidFill>
+          </a:ln>
+        </p:spPr>
+        <p:style>
+          <a:lnRef idx="2">
+            <a:schemeClr val="accent1">
+              <a:shade val="50000"/>
+            </a:schemeClr>
+          </a:lnRef>
+          <a:fillRef idx="1">
+            <a:schemeClr val="accent1"/>
+          </a:fillRef>
+          <a:effectRef idx="0">
+            <a:schemeClr val="accent1"/>
+          </a:effectRef>
+          <a:fontRef idx="minor">
+            <a:schemeClr val="lt1"/>
+          </a:fontRef>
+        </p:style>
+        <p:txBody>
+          <a:bodyPr rtlCol="0" anchor="ctr"/>
+          <a:lstStyle/>
+          <a:p>
+            <a:pPr algn="ctr"/>
+            <a:r>
+              <a:rPr kumimoji="1" lang="en-US" altLang="ja-JP" sz="3200" b="1" dirty="0"/>
+              <a:t>Pro</a:t>
+            </a:r>
+          </a:p>
+          <a:p>
+            <a:pPr algn="ctr"/>
+            <a:r>
+              <a:rPr lang="en-US" altLang="ja-JP" sz="3200" b="1" dirty="0"/>
+              <a:t>Micro</a:t>
+            </a:r>
+            <a:endParaRPr kumimoji="1" lang="ja-JP" altLang="en-US" sz="3200" b="1" dirty="0"/>
+          </a:p>
+        </p:txBody>
+      </p:sp>
+      <p:sp>
+        <p:nvSpPr>
+          <p:cNvPr id="31" name="テキスト ボックス 30">
+            <a:extLst>
+              <a:ext uri="{FF2B5EF4-FFF2-40B4-BE49-F238E27FC236}">
+                <a16:creationId xmlns:a16="http://schemas.microsoft.com/office/drawing/2014/main" id="{1DF68B86-90C9-4557-85A9-BBD49ACFCF2C}"/>
+              </a:ext>
+            </a:extLst>
+          </p:cNvPr>
+          <p:cNvSpPr txBox="1"/>
+          <p:nvPr/>
+        </p:nvSpPr>
+        <p:spPr>
+          <a:xfrm>
+            <a:off x="4551109" y="1688421"/>
+            <a:ext cx="1789043" cy="584775"/>
+          </a:xfrm>
+          <a:prstGeom prst="rect">
+            <a:avLst/>
+          </a:prstGeom>
+          <a:noFill/>
+        </p:spPr>
+        <p:txBody>
+          <a:bodyPr wrap="square" rtlCol="0">
+            <a:spAutoFit/>
+          </a:bodyPr>
+          <a:lstStyle/>
+          <a:p>
+            <a:pPr algn="ctr"/>
+            <a:r>
+              <a:rPr kumimoji="1" lang="en-US" altLang="ja-JP" sz="3200" b="1" dirty="0">
+                <a:solidFill>
+                  <a:srgbClr val="FFFF00"/>
+                </a:solidFill>
+              </a:rPr>
+              <a:t>I2C</a:t>
+            </a:r>
+            <a:endParaRPr kumimoji="1" lang="ja-JP" altLang="en-US" sz="3200" b="1" dirty="0">
+              <a:solidFill>
+                <a:srgbClr val="FFFF00"/>
+              </a:solidFill>
+            </a:endParaRPr>
+          </a:p>
+        </p:txBody>
+      </p:sp>
+      <p:sp>
+        <p:nvSpPr>
+          <p:cNvPr id="32" name="テキスト ボックス 31">
+            <a:extLst>
+              <a:ext uri="{FF2B5EF4-FFF2-40B4-BE49-F238E27FC236}">
+                <a16:creationId xmlns:a16="http://schemas.microsoft.com/office/drawing/2014/main" id="{95D47C5E-5574-4242-8793-7D072DAEB0DB}"/>
+              </a:ext>
+            </a:extLst>
+          </p:cNvPr>
+          <p:cNvSpPr txBox="1"/>
+          <p:nvPr/>
+        </p:nvSpPr>
+        <p:spPr>
+          <a:xfrm>
+            <a:off x="7953468" y="1720179"/>
+            <a:ext cx="1789043" cy="584775"/>
+          </a:xfrm>
+          <a:prstGeom prst="rect">
+            <a:avLst/>
+          </a:prstGeom>
+          <a:noFill/>
+        </p:spPr>
+        <p:txBody>
+          <a:bodyPr wrap="square" rtlCol="0">
+            <a:spAutoFit/>
+          </a:bodyPr>
+          <a:lstStyle/>
+          <a:p>
+            <a:pPr algn="ctr"/>
+            <a:r>
+              <a:rPr kumimoji="1" lang="en-US" altLang="ja-JP" sz="3200" b="1" dirty="0">
+                <a:solidFill>
+                  <a:srgbClr val="FFFF00"/>
+                </a:solidFill>
+              </a:rPr>
+              <a:t>GPIO</a:t>
+            </a:r>
+            <a:endParaRPr kumimoji="1" lang="ja-JP" altLang="en-US" sz="3200" b="1" dirty="0">
+              <a:solidFill>
+                <a:srgbClr val="FFFF00"/>
+              </a:solidFill>
+            </a:endParaRPr>
+          </a:p>
+        </p:txBody>
+      </p:sp>
+      <p:grpSp>
+        <p:nvGrpSpPr>
+          <p:cNvPr id="34" name="グループ化 33">
+            <a:extLst>
+              <a:ext uri="{FF2B5EF4-FFF2-40B4-BE49-F238E27FC236}">
+                <a16:creationId xmlns:a16="http://schemas.microsoft.com/office/drawing/2014/main" id="{D5E0195B-59B2-4E24-84D2-B75EB7B9EA8F}"/>
+              </a:ext>
+            </a:extLst>
+          </p:cNvPr>
+          <p:cNvGrpSpPr/>
+          <p:nvPr/>
+        </p:nvGrpSpPr>
+        <p:grpSpPr>
+          <a:xfrm>
+            <a:off x="2648345" y="4305926"/>
+            <a:ext cx="2072341" cy="1874975"/>
+            <a:chOff x="2648345" y="4305926"/>
+            <a:chExt cx="2072341" cy="1874975"/>
+          </a:xfrm>
+        </p:grpSpPr>
+        <p:pic>
+          <p:nvPicPr>
+            <p:cNvPr id="6" name="図 5">
+              <a:extLst>
+                <a:ext uri="{FF2B5EF4-FFF2-40B4-BE49-F238E27FC236}">
+                  <a16:creationId xmlns:a16="http://schemas.microsoft.com/office/drawing/2014/main" id="{57C1A3FA-A46E-4872-A802-B38FB6757321}"/>
+                </a:ext>
+              </a:extLst>
+            </p:cNvPr>
+            <p:cNvPicPr>
+              <a:picLocks noChangeAspect="1"/>
+            </p:cNvPicPr>
+            <p:nvPr/>
+          </p:nvPicPr>
+          <p:blipFill>
+            <a:blip r:embed="rId2"/>
+            <a:stretch>
+              <a:fillRect/>
+            </a:stretch>
+          </p:blipFill>
+          <p:spPr>
+            <a:xfrm>
+              <a:off x="2648345" y="4305926"/>
+              <a:ext cx="2072341" cy="1874975"/>
+            </a:xfrm>
+            <a:prstGeom prst="rect">
+              <a:avLst/>
+            </a:prstGeom>
+          </p:spPr>
+        </p:pic>
+        <p:sp>
+          <p:nvSpPr>
+            <p:cNvPr id="11" name="テキスト ボックス 10">
+              <a:extLst>
+                <a:ext uri="{FF2B5EF4-FFF2-40B4-BE49-F238E27FC236}">
+                  <a16:creationId xmlns:a16="http://schemas.microsoft.com/office/drawing/2014/main" id="{422556A9-FDB2-4EA3-A12C-D39D81B426B4}"/>
+                </a:ext>
+              </a:extLst>
+            </p:cNvPr>
+            <p:cNvSpPr txBox="1"/>
+            <p:nvPr/>
+          </p:nvSpPr>
+          <p:spPr>
+            <a:xfrm>
+              <a:off x="2785868" y="4704804"/>
+              <a:ext cx="1789043" cy="1077218"/>
+            </a:xfrm>
+            <a:prstGeom prst="rect">
+              <a:avLst/>
+            </a:prstGeom>
+            <a:noFill/>
+          </p:spPr>
+          <p:txBody>
+            <a:bodyPr wrap="square" rtlCol="0">
+              <a:spAutoFit/>
+            </a:bodyPr>
+            <a:lstStyle/>
+            <a:p>
+              <a:pPr algn="ctr"/>
+              <a:r>
+                <a:rPr kumimoji="1" lang="en-US" altLang="ja-JP" sz="3200" b="1" dirty="0">
+                  <a:solidFill>
+                    <a:schemeClr val="bg1"/>
+                  </a:solidFill>
+                </a:rPr>
+                <a:t>Key</a:t>
+              </a:r>
+            </a:p>
+            <a:p>
+              <a:pPr algn="ctr"/>
+              <a:r>
+                <a:rPr lang="en-US" altLang="ja-JP" sz="3200" b="1" dirty="0">
+                  <a:solidFill>
+                    <a:schemeClr val="bg1"/>
+                  </a:solidFill>
+                </a:rPr>
+                <a:t>Matrix</a:t>
+              </a:r>
+              <a:endParaRPr kumimoji="1" lang="ja-JP" altLang="en-US" sz="3200" b="1" dirty="0">
+                <a:solidFill>
+                  <a:schemeClr val="bg1"/>
+                </a:solidFill>
+              </a:endParaRPr>
+            </a:p>
+          </p:txBody>
+        </p:sp>
+      </p:grpSp>
+      <p:sp>
+        <p:nvSpPr>
+          <p:cNvPr id="36" name="テキスト ボックス 35">
+            <a:extLst>
+              <a:ext uri="{FF2B5EF4-FFF2-40B4-BE49-F238E27FC236}">
+                <a16:creationId xmlns:a16="http://schemas.microsoft.com/office/drawing/2014/main" id="{FD7B6E3C-366B-4CA1-89CA-EA3DB699971A}"/>
+              </a:ext>
+            </a:extLst>
+          </p:cNvPr>
+          <p:cNvSpPr txBox="1"/>
+          <p:nvPr/>
+        </p:nvSpPr>
+        <p:spPr>
+          <a:xfrm>
+            <a:off x="3342314" y="3322272"/>
+            <a:ext cx="1789043" cy="584775"/>
+          </a:xfrm>
+          <a:prstGeom prst="rect">
+            <a:avLst/>
+          </a:prstGeom>
+          <a:noFill/>
+        </p:spPr>
+        <p:txBody>
+          <a:bodyPr wrap="square" rtlCol="0">
+            <a:spAutoFit/>
+          </a:bodyPr>
+          <a:lstStyle/>
+          <a:p>
+            <a:pPr algn="ctr"/>
+            <a:r>
+              <a:rPr kumimoji="1" lang="en-US" altLang="ja-JP" sz="3200" b="1" dirty="0">
+                <a:solidFill>
+                  <a:srgbClr val="FFFF00"/>
+                </a:solidFill>
+              </a:rPr>
+              <a:t>GPIO</a:t>
+            </a:r>
+            <a:endParaRPr kumimoji="1" lang="ja-JP" altLang="en-US" sz="3200" b="1" dirty="0">
+              <a:solidFill>
+                <a:srgbClr val="FFFF00"/>
+              </a:solidFill>
+            </a:endParaRPr>
+          </a:p>
+        </p:txBody>
+      </p:sp>
+      <p:sp>
+        <p:nvSpPr>
+          <p:cNvPr id="37" name="テキスト ボックス 36">
+            <a:extLst>
+              <a:ext uri="{FF2B5EF4-FFF2-40B4-BE49-F238E27FC236}">
+                <a16:creationId xmlns:a16="http://schemas.microsoft.com/office/drawing/2014/main" id="{1439CC42-703A-4E02-A185-86357484C1B4}"/>
+              </a:ext>
+            </a:extLst>
+          </p:cNvPr>
+          <p:cNvSpPr txBox="1"/>
+          <p:nvPr/>
+        </p:nvSpPr>
+        <p:spPr>
+          <a:xfrm>
+            <a:off x="1101363" y="1666147"/>
+            <a:ext cx="1789043" cy="584775"/>
+          </a:xfrm>
+          <a:prstGeom prst="rect">
+            <a:avLst/>
+          </a:prstGeom>
+          <a:noFill/>
+        </p:spPr>
+        <p:txBody>
+          <a:bodyPr wrap="square" rtlCol="0">
+            <a:spAutoFit/>
+          </a:bodyPr>
+          <a:lstStyle/>
+          <a:p>
+            <a:pPr algn="ctr"/>
+            <a:r>
+              <a:rPr kumimoji="1" lang="en-US" altLang="ja-JP" sz="3200" b="1" dirty="0">
+                <a:solidFill>
+                  <a:srgbClr val="FFFF00"/>
+                </a:solidFill>
+              </a:rPr>
+              <a:t>I2C</a:t>
+            </a:r>
+            <a:endParaRPr kumimoji="1" lang="ja-JP" altLang="en-US" sz="3200" b="1" dirty="0">
+              <a:solidFill>
+                <a:srgbClr val="FFFF00"/>
+              </a:solidFill>
+            </a:endParaRPr>
+          </a:p>
+        </p:txBody>
+      </p:sp>
+      <p:sp>
+        <p:nvSpPr>
+          <p:cNvPr id="38" name="テキスト ボックス 37">
+            <a:extLst>
+              <a:ext uri="{FF2B5EF4-FFF2-40B4-BE49-F238E27FC236}">
+                <a16:creationId xmlns:a16="http://schemas.microsoft.com/office/drawing/2014/main" id="{A7CB06CF-5A76-4C61-8B36-2C65E990F225}"/>
+              </a:ext>
+            </a:extLst>
+          </p:cNvPr>
+          <p:cNvSpPr txBox="1"/>
+          <p:nvPr/>
+        </p:nvSpPr>
+        <p:spPr>
+          <a:xfrm>
+            <a:off x="7293654" y="3230762"/>
+            <a:ext cx="1789043" cy="584775"/>
+          </a:xfrm>
+          <a:prstGeom prst="rect">
+            <a:avLst/>
+          </a:prstGeom>
+          <a:noFill/>
+        </p:spPr>
+        <p:txBody>
+          <a:bodyPr wrap="square" rtlCol="0">
+            <a:spAutoFit/>
+          </a:bodyPr>
+          <a:lstStyle/>
+          <a:p>
+            <a:pPr algn="ctr"/>
+            <a:r>
+              <a:rPr kumimoji="1" lang="en-US" altLang="ja-JP" sz="3200" b="1" dirty="0">
+                <a:solidFill>
+                  <a:srgbClr val="FFFF00"/>
+                </a:solidFill>
+              </a:rPr>
+              <a:t>SERIAL</a:t>
+            </a:r>
+            <a:endParaRPr kumimoji="1" lang="ja-JP" altLang="en-US" sz="3200" b="1" dirty="0">
+              <a:solidFill>
+                <a:srgbClr val="FFFF00"/>
+              </a:solidFill>
+            </a:endParaRPr>
+          </a:p>
+        </p:txBody>
+      </p:sp>
+    </p:spTree>
+    <p:extLst>
+      <p:ext uri="{BB962C8B-B14F-4D97-AF65-F5344CB8AC3E}">
+        <p14:creationId xmlns:p14="http://schemas.microsoft.com/office/powerpoint/2010/main" val="2692443753"/>
       </p:ext>
     </p:extLst>
   </p:cSld>

--- a/photo/figure.pptx
+++ b/photo/figure.pptx
@@ -4164,6 +4164,60 @@
       </p:grpSpPr>
       <p:sp>
         <p:nvSpPr>
+          <p:cNvPr id="10" name="正方形/長方形 9">
+            <a:extLst>
+              <a:ext uri="{FF2B5EF4-FFF2-40B4-BE49-F238E27FC236}">
+                <a16:creationId xmlns:a16="http://schemas.microsoft.com/office/drawing/2014/main" id="{800A73EB-720E-405A-989B-7B76BFC81D71}"/>
+              </a:ext>
+            </a:extLst>
+          </p:cNvPr>
+          <p:cNvSpPr/>
+          <p:nvPr/>
+        </p:nvSpPr>
+        <p:spPr>
+          <a:xfrm>
+            <a:off x="0" y="0"/>
+            <a:ext cx="12192000" cy="6858000"/>
+          </a:xfrm>
+          <a:prstGeom prst="rect">
+            <a:avLst/>
+          </a:prstGeom>
+          <a:solidFill>
+            <a:schemeClr val="accent6">
+              <a:lumMod val="75000"/>
+            </a:schemeClr>
+          </a:solidFill>
+          <a:ln>
+            <a:noFill/>
+          </a:ln>
+        </p:spPr>
+        <p:style>
+          <a:lnRef idx="2">
+            <a:schemeClr val="accent1">
+              <a:shade val="50000"/>
+            </a:schemeClr>
+          </a:lnRef>
+          <a:fillRef idx="1">
+            <a:schemeClr val="accent1"/>
+          </a:fillRef>
+          <a:effectRef idx="0">
+            <a:schemeClr val="accent1"/>
+          </a:effectRef>
+          <a:fontRef idx="minor">
+            <a:schemeClr val="lt1"/>
+          </a:fontRef>
+        </p:style>
+        <p:txBody>
+          <a:bodyPr rtlCol="0" anchor="ctr"/>
+          <a:lstStyle/>
+          <a:p>
+            <a:pPr algn="ctr"/>
+            <a:endParaRPr kumimoji="1" lang="ja-JP" altLang="en-US"/>
+          </a:p>
+        </p:txBody>
+      </p:sp>
+      <p:sp>
+        <p:nvSpPr>
           <p:cNvPr id="4" name="四角形: 角を丸くする 3">
             <a:extLst>
               <a:ext uri="{FF2B5EF4-FFF2-40B4-BE49-F238E27FC236}">
@@ -4183,11 +4237,13 @@
             <a:avLst/>
           </a:prstGeom>
           <a:solidFill>
-            <a:schemeClr val="accent6"/>
+            <a:schemeClr val="accent6">
+              <a:lumMod val="75000"/>
+            </a:schemeClr>
           </a:solidFill>
           <a:ln w="76200">
             <a:solidFill>
-              <a:schemeClr val="accent6"/>
+              <a:schemeClr val="bg1"/>
             </a:solidFill>
           </a:ln>
         </p:spPr>
@@ -4355,11 +4411,13 @@
             <a:avLst/>
           </a:prstGeom>
           <a:solidFill>
-            <a:schemeClr val="accent6"/>
+            <a:schemeClr val="accent6">
+              <a:lumMod val="75000"/>
+            </a:schemeClr>
           </a:solidFill>
           <a:ln w="76200">
             <a:solidFill>
-              <a:schemeClr val="accent6"/>
+              <a:schemeClr val="bg1"/>
             </a:solidFill>
           </a:ln>
         </p:spPr>
@@ -4548,14 +4606,26 @@
           <a:lstStyle/>
           <a:p>
             <a:r>
-              <a:rPr lang="en-US" altLang="ja-JP" sz="4800" b="1" dirty="0"/>
+              <a:rPr lang="en-US" altLang="ja-JP" sz="4800" b="1" dirty="0">
+                <a:solidFill>
+                  <a:schemeClr val="bg1"/>
+                </a:solidFill>
+              </a:rPr>
               <a:t>M</a:t>
             </a:r>
             <a:r>
-              <a:rPr kumimoji="1" lang="en-US" altLang="ja-JP" sz="4800" b="1" dirty="0"/>
+              <a:rPr kumimoji="1" lang="en-US" altLang="ja-JP" sz="4800" b="1" dirty="0">
+                <a:solidFill>
+                  <a:schemeClr val="bg1"/>
+                </a:solidFill>
+              </a:rPr>
               <a:t>aster</a:t>
             </a:r>
-            <a:endParaRPr kumimoji="1" lang="ja-JP" altLang="en-US" sz="4800" b="1" dirty="0"/>
+            <a:endParaRPr kumimoji="1" lang="ja-JP" altLang="en-US" sz="4800" b="1" dirty="0">
+              <a:solidFill>
+                <a:schemeClr val="bg1"/>
+              </a:solidFill>
+            </a:endParaRPr>
           </a:p>
         </p:txBody>
       </p:sp>
@@ -4588,10 +4658,18 @@
           <a:lstStyle/>
           <a:p>
             <a:r>
-              <a:rPr lang="en-US" altLang="ja-JP" sz="4800" b="1" dirty="0"/>
+              <a:rPr lang="en-US" altLang="ja-JP" sz="4800" b="1" dirty="0">
+                <a:solidFill>
+                  <a:schemeClr val="bg1"/>
+                </a:solidFill>
+              </a:rPr>
               <a:t>Slave</a:t>
             </a:r>
-            <a:endParaRPr kumimoji="1" lang="ja-JP" altLang="en-US" sz="4800" b="1" dirty="0"/>
+            <a:endParaRPr kumimoji="1" lang="ja-JP" altLang="en-US" sz="4800" b="1" dirty="0">
+              <a:solidFill>
+                <a:schemeClr val="bg1"/>
+              </a:solidFill>
+            </a:endParaRPr>
           </a:p>
         </p:txBody>
       </p:sp>
@@ -4618,6 +4696,9 @@
             <a:avLst/>
           </a:prstGeom>
           <a:ln w="76200">
+            <a:solidFill>
+              <a:srgbClr val="FFFF00"/>
+            </a:solidFill>
             <a:tailEnd type="triangle"/>
           </a:ln>
         </p:spPr>
@@ -4659,6 +4740,9 @@
             <a:avLst/>
           </a:prstGeom>
           <a:ln w="76200">
+            <a:solidFill>
+              <a:srgbClr val="FFFF00"/>
+            </a:solidFill>
             <a:tailEnd type="triangle"/>
           </a:ln>
         </p:spPr>
@@ -4677,6 +4761,65 @@
           </a:fontRef>
         </p:style>
       </p:cxnSp>
+      <p:sp>
+        <p:nvSpPr>
+          <p:cNvPr id="11" name="テキスト ボックス 10">
+            <a:extLst>
+              <a:ext uri="{FF2B5EF4-FFF2-40B4-BE49-F238E27FC236}">
+                <a16:creationId xmlns:a16="http://schemas.microsoft.com/office/drawing/2014/main" id="{A7918CD0-9111-4A6D-8B9D-1E427FBD5817}"/>
+              </a:ext>
+            </a:extLst>
+          </p:cNvPr>
+          <p:cNvSpPr txBox="1"/>
+          <p:nvPr/>
+        </p:nvSpPr>
+        <p:spPr>
+          <a:xfrm>
+            <a:off x="4237382" y="3063558"/>
+            <a:ext cx="2464905" cy="1200329"/>
+          </a:xfrm>
+          <a:prstGeom prst="rect">
+            <a:avLst/>
+          </a:prstGeom>
+          <a:noFill/>
+        </p:spPr>
+        <p:txBody>
+          <a:bodyPr wrap="square" rtlCol="0">
+            <a:spAutoFit/>
+          </a:bodyPr>
+          <a:lstStyle/>
+          <a:p>
+            <a:pPr algn="ctr"/>
+            <a:r>
+              <a:rPr kumimoji="1" lang="en-US" altLang="ja-JP" sz="3600" b="1" dirty="0">
+                <a:ln w="0"/>
+                <a:solidFill>
+                  <a:srgbClr val="FFFF00"/>
+                </a:solidFill>
+              </a:rPr>
+              <a:t>USB</a:t>
+            </a:r>
+          </a:p>
+          <a:p>
+            <a:pPr algn="ctr"/>
+            <a:r>
+              <a:rPr lang="en-US" altLang="ja-JP" sz="3600" b="1" dirty="0">
+                <a:ln w="0"/>
+                <a:solidFill>
+                  <a:srgbClr val="FFFF00"/>
+                </a:solidFill>
+              </a:rPr>
+              <a:t>Cable</a:t>
+            </a:r>
+            <a:endParaRPr kumimoji="1" lang="ja-JP" altLang="en-US" sz="3600" b="1" dirty="0">
+              <a:ln w="0"/>
+              <a:solidFill>
+                <a:srgbClr val="FFFF00"/>
+              </a:solidFill>
+            </a:endParaRPr>
+          </a:p>
+        </p:txBody>
+      </p:sp>
     </p:spTree>
     <p:extLst>
       <p:ext uri="{BB962C8B-B14F-4D97-AF65-F5344CB8AC3E}">
